--- a/2차 팀프로젝트/6조_20200116.pptx
+++ b/2차 팀프로젝트/6조_20200116.pptx
@@ -30,19 +30,19 @@
   <p:notesSz cx="6858000" cy="9144000"/>
   <p:embeddedFontLst>
     <p:embeddedFont>
-      <p:font typeface="나눔스퀘어_ac Bold" panose="020B0600000101010101" pitchFamily="50" charset="-127"/>
-      <p:bold r:id="rId20"/>
-    </p:embeddedFont>
-    <p:embeddedFont>
       <p:font typeface="나눔스퀘어" panose="020B0600000101010101" pitchFamily="50" charset="-127"/>
-      <p:regular r:id="rId21"/>
+      <p:regular r:id="rId20"/>
     </p:embeddedFont>
     <p:embeddedFont>
       <p:font typeface="나눔스퀘어 Bold" panose="020B0600000101010101" pitchFamily="50" charset="-127"/>
+      <p:bold r:id="rId21"/>
+    </p:embeddedFont>
+    <p:embeddedFont>
+      <p:font typeface="나눔스퀘어 ExtraBold" panose="020B0600000101010101" pitchFamily="50" charset="-127"/>
       <p:bold r:id="rId22"/>
     </p:embeddedFont>
     <p:embeddedFont>
-      <p:font typeface="나눔스퀘어 ExtraBold" panose="020B0600000101010101" pitchFamily="50" charset="-127"/>
+      <p:font typeface="나눔스퀘어_ac Bold" panose="020B0600000101010101" pitchFamily="50" charset="-127"/>
       <p:bold r:id="rId23"/>
     </p:embeddedFont>
     <p:embeddedFont>
@@ -573,45 +573,6 @@
           <a:bodyPr/>
           <a:lstStyle/>
           <a:p>
-            <a:r>
-              <a:rPr lang="ko-KR" altLang="en-US" dirty="0"/>
-              <a:t>조원소개</a:t>
-            </a:r>
-            <a:r>
-              <a:rPr lang="en-US" altLang="ko-KR" dirty="0"/>
-              <a:t>,</a:t>
-            </a:r>
-            <a:r>
-              <a:rPr lang="ko-KR" altLang="en-US" dirty="0"/>
-              <a:t>역할</a:t>
-            </a:r>
-            <a:r>
-              <a:rPr lang="en-US" altLang="ko-KR" dirty="0"/>
-              <a:t>,</a:t>
-            </a:r>
-            <a:r>
-              <a:rPr lang="ko-KR" altLang="en-US" dirty="0"/>
-              <a:t>일정</a:t>
-            </a:r>
-            <a:endParaRPr lang="en-US" altLang="ko-KR" dirty="0"/>
-          </a:p>
-          <a:p>
-            <a:r>
-              <a:rPr lang="ko-KR" altLang="en-US" dirty="0"/>
-              <a:t>다같이 </a:t>
-            </a:r>
-            <a:r>
-              <a:rPr lang="ko-KR" altLang="en-US" dirty="0" err="1"/>
-              <a:t>데이터찾고</a:t>
-            </a:r>
-            <a:r>
-              <a:rPr lang="en-US" altLang="ko-KR" dirty="0"/>
-              <a:t>, </a:t>
-            </a:r>
-            <a:r>
-              <a:rPr lang="ko-KR" altLang="en-US" dirty="0"/>
-              <a:t>모델 만</a:t>
-            </a:r>
             <a:endParaRPr lang="en-US" altLang="ko-KR" dirty="0"/>
           </a:p>
           <a:p>
@@ -1087,12 +1048,23 @@
           <a:p>
             <a:r>
               <a:rPr lang="ko-KR" altLang="en-US" dirty="0"/>
-              <a:t>결과 출력</a:t>
+              <a:t>결과출력</a:t>
             </a:r>
             <a:endParaRPr lang="en-US" altLang="ko-KR" dirty="0"/>
           </a:p>
           <a:p>
-            <a:endParaRPr lang="ko-KR" altLang="en-US" dirty="0"/>
+            <a:endParaRPr lang="en-US" altLang="ko-KR" dirty="0"/>
+          </a:p>
+          <a:p>
+            <a:r>
+              <a:rPr lang="ko-KR" altLang="en-US" dirty="0"/>
+              <a:t>지도상으로 위치를 </a:t>
+            </a:r>
+            <a:r>
+              <a:rPr lang="ko-KR" altLang="en-US" dirty="0" err="1"/>
+              <a:t>찍어줌</a:t>
+            </a:r>
+            <a:endParaRPr lang="en-US" altLang="ko-KR" dirty="0"/>
           </a:p>
         </p:txBody>
       </p:sp>
@@ -4858,21 +4830,8 @@
                 </a:r>
                 <a:r>
                   <a:rPr lang="en-US" altLang="ko-KR" dirty="0"/>
-                  <a:t>: </a:t>
+                  <a:t>??</a:t>
                 </a:r>
-                <a:r>
-                  <a:rPr lang="ko-KR" altLang="en-US" dirty="0"/>
-                  <a:t>지도학습  </a:t>
-                </a:r>
-                <a:r>
-                  <a:rPr lang="en-US" altLang="ko-KR" dirty="0"/>
-                  <a:t>- </a:t>
-                </a:r>
-                <a:r>
-                  <a:rPr lang="ko-KR" altLang="en-US" dirty="0"/>
-                  <a:t>다중회귀</a:t>
-                </a:r>
-                <a:endParaRPr lang="en-US" altLang="ko-KR" dirty="0"/>
               </a:p>
             </p:txBody>
           </p:sp>
